--- a/source/AI_Engineering/Ch07_Finetuning_song.pptx
+++ b/source/AI_Engineering/Ch07_Finetuning_song.pptx
@@ -5,7 +5,7 @@
     <p:sldMasterId id="2147483949" r:id="rId1"/>
   </p:sldMasterIdLst>
   <p:notesMasterIdLst>
-    <p:notesMasterId r:id="rId19"/>
+    <p:notesMasterId r:id="rId20"/>
   </p:notesMasterIdLst>
   <p:sldIdLst>
     <p:sldId id="256" r:id="rId2"/>
@@ -25,6 +25,7 @@
     <p:sldId id="274" r:id="rId16"/>
     <p:sldId id="269" r:id="rId17"/>
     <p:sldId id="268" r:id="rId18"/>
+    <p:sldId id="277" r:id="rId19"/>
   </p:sldIdLst>
   <p:sldSz cx="12192000" cy="6858000"/>
   <p:notesSz cx="6858000" cy="9144000"/>
@@ -213,7 +214,7 @@
           <a:p>
             <a:fld id="{73BED190-3796-D847-AC9A-5055AF722301}" type="datetimeFigureOut">
               <a:rPr kumimoji="1" lang="ko-KR" altLang="en-US" smtClean="0"/>
-              <a:t>2025. 4. 12.</a:t>
+              <a:t>2025-04-17</a:t>
             </a:fld>
             <a:endParaRPr kumimoji="1" lang="ko-KR" altLang="en-US"/>
           </a:p>
@@ -711,7 +712,7 @@
           <a:p>
             <a:fld id="{6BBCAFF7-35B2-CC48-8530-4EA14CDC45B4}" type="datetimeFigureOut">
               <a:rPr kumimoji="1" lang="ko-KR" altLang="en-US" smtClean="0"/>
-              <a:t>2025. 4. 12.</a:t>
+              <a:t>2025-04-17</a:t>
             </a:fld>
             <a:endParaRPr kumimoji="1" lang="ko-KR" altLang="en-US"/>
           </a:p>
@@ -909,7 +910,7 @@
           <a:p>
             <a:fld id="{6BBCAFF7-35B2-CC48-8530-4EA14CDC45B4}" type="datetimeFigureOut">
               <a:rPr kumimoji="1" lang="ko-KR" altLang="en-US" smtClean="0"/>
-              <a:t>2025. 4. 12.</a:t>
+              <a:t>2025-04-17</a:t>
             </a:fld>
             <a:endParaRPr kumimoji="1" lang="ko-KR" altLang="en-US"/>
           </a:p>
@@ -1117,7 +1118,7 @@
           <a:p>
             <a:fld id="{6BBCAFF7-35B2-CC48-8530-4EA14CDC45B4}" type="datetimeFigureOut">
               <a:rPr kumimoji="1" lang="ko-KR" altLang="en-US" smtClean="0"/>
-              <a:t>2025. 4. 12.</a:t>
+              <a:t>2025-04-17</a:t>
             </a:fld>
             <a:endParaRPr kumimoji="1" lang="ko-KR" altLang="en-US"/>
           </a:p>
@@ -1315,7 +1316,7 @@
           <a:p>
             <a:fld id="{6BBCAFF7-35B2-CC48-8530-4EA14CDC45B4}" type="datetimeFigureOut">
               <a:rPr kumimoji="1" lang="ko-KR" altLang="en-US" smtClean="0"/>
-              <a:t>2025. 4. 12.</a:t>
+              <a:t>2025-04-17</a:t>
             </a:fld>
             <a:endParaRPr kumimoji="1" lang="ko-KR" altLang="en-US"/>
           </a:p>
@@ -1590,7 +1591,7 @@
           <a:p>
             <a:fld id="{6BBCAFF7-35B2-CC48-8530-4EA14CDC45B4}" type="datetimeFigureOut">
               <a:rPr kumimoji="1" lang="ko-KR" altLang="en-US" smtClean="0"/>
-              <a:t>2025. 4. 12.</a:t>
+              <a:t>2025-04-17</a:t>
             </a:fld>
             <a:endParaRPr kumimoji="1" lang="ko-KR" altLang="en-US"/>
           </a:p>
@@ -1855,7 +1856,7 @@
           <a:p>
             <a:fld id="{6BBCAFF7-35B2-CC48-8530-4EA14CDC45B4}" type="datetimeFigureOut">
               <a:rPr kumimoji="1" lang="ko-KR" altLang="en-US" smtClean="0"/>
-              <a:t>2025. 4. 12.</a:t>
+              <a:t>2025-04-17</a:t>
             </a:fld>
             <a:endParaRPr kumimoji="1" lang="ko-KR" altLang="en-US"/>
           </a:p>
@@ -2267,7 +2268,7 @@
           <a:p>
             <a:fld id="{6BBCAFF7-35B2-CC48-8530-4EA14CDC45B4}" type="datetimeFigureOut">
               <a:rPr kumimoji="1" lang="ko-KR" altLang="en-US" smtClean="0"/>
-              <a:t>2025. 4. 12.</a:t>
+              <a:t>2025-04-17</a:t>
             </a:fld>
             <a:endParaRPr kumimoji="1" lang="ko-KR" altLang="en-US"/>
           </a:p>
@@ -2408,7 +2409,7 @@
           <a:p>
             <a:fld id="{6BBCAFF7-35B2-CC48-8530-4EA14CDC45B4}" type="datetimeFigureOut">
               <a:rPr kumimoji="1" lang="ko-KR" altLang="en-US" smtClean="0"/>
-              <a:t>2025. 4. 12.</a:t>
+              <a:t>2025-04-17</a:t>
             </a:fld>
             <a:endParaRPr kumimoji="1" lang="ko-KR" altLang="en-US"/>
           </a:p>
@@ -2521,7 +2522,7 @@
           <a:p>
             <a:fld id="{6BBCAFF7-35B2-CC48-8530-4EA14CDC45B4}" type="datetimeFigureOut">
               <a:rPr kumimoji="1" lang="ko-KR" altLang="en-US" smtClean="0"/>
-              <a:t>2025. 4. 12.</a:t>
+              <a:t>2025-04-17</a:t>
             </a:fld>
             <a:endParaRPr kumimoji="1" lang="ko-KR" altLang="en-US"/>
           </a:p>
@@ -2832,7 +2833,7 @@
           <a:p>
             <a:fld id="{6BBCAFF7-35B2-CC48-8530-4EA14CDC45B4}" type="datetimeFigureOut">
               <a:rPr kumimoji="1" lang="ko-KR" altLang="en-US" smtClean="0"/>
-              <a:t>2025. 4. 12.</a:t>
+              <a:t>2025-04-17</a:t>
             </a:fld>
             <a:endParaRPr kumimoji="1" lang="ko-KR" altLang="en-US"/>
           </a:p>
@@ -3120,7 +3121,7 @@
           <a:p>
             <a:fld id="{6BBCAFF7-35B2-CC48-8530-4EA14CDC45B4}" type="datetimeFigureOut">
               <a:rPr kumimoji="1" lang="ko-KR" altLang="en-US" smtClean="0"/>
-              <a:t>2025. 4. 12.</a:t>
+              <a:t>2025-04-17</a:t>
             </a:fld>
             <a:endParaRPr kumimoji="1" lang="ko-KR" altLang="en-US"/>
           </a:p>
@@ -3361,7 +3362,7 @@
           <a:p>
             <a:fld id="{6BBCAFF7-35B2-CC48-8530-4EA14CDC45B4}" type="datetimeFigureOut">
               <a:rPr kumimoji="1" lang="ko-KR" altLang="en-US" smtClean="0"/>
-              <a:t>2025. 4. 12.</a:t>
+              <a:t>2025-04-17</a:t>
             </a:fld>
             <a:endParaRPr kumimoji="1" lang="ko-KR" altLang="en-US"/>
           </a:p>
@@ -4167,7 +4168,9 @@
         </p:nvSpPr>
         <p:spPr/>
         <p:txBody>
-          <a:bodyPr/>
+          <a:bodyPr>
+            <a:normAutofit/>
+          </a:bodyPr>
           <a:lstStyle/>
           <a:p>
             <a:pPr>
@@ -4177,27 +4180,36 @@
               <a:buNone/>
             </a:pPr>
             <a:r>
-              <a:rPr lang="en-US" altLang="ko-KR" b="0" dirty="0" err="1">
-                <a:effectLst/>
-                <a:latin typeface="Google Sans Text"/>
+              <a:rPr lang="en-US" altLang="ko-KR" sz="3600" b="0" dirty="0">
+                <a:effectLst/>
+              </a:rPr>
+              <a:t>PEFT </a:t>
+            </a:r>
+            <a:r>
+              <a:rPr lang="ko-KR" altLang="en-US" sz="3600" b="0" dirty="0">
+                <a:effectLst/>
+              </a:rPr>
+              <a:t>기법 상세</a:t>
+            </a:r>
+            <a:r>
+              <a:rPr lang="en-US" altLang="ko-KR" sz="3600" b="0" dirty="0">
+                <a:effectLst/>
+              </a:rPr>
+              <a:t> - </a:t>
+            </a:r>
+            <a:r>
+              <a:rPr lang="en-US" altLang="ko-KR" sz="3600" b="0" dirty="0" err="1">
+                <a:effectLst/>
               </a:rPr>
               <a:t>LoRA</a:t>
             </a:r>
             <a:r>
-              <a:rPr lang="en-US" altLang="ko-KR" b="0" dirty="0">
-                <a:effectLst/>
-                <a:latin typeface="Google Sans Text"/>
-              </a:rPr>
-              <a:t> (Low-Rank Adaptation) </a:t>
-            </a:r>
-            <a:r>
-              <a:rPr lang="ko-KR" altLang="en-US" b="0" dirty="0">
-                <a:effectLst/>
-                <a:latin typeface="Google Sans Text"/>
-              </a:rPr>
-              <a:t>심층 분석</a:t>
-            </a:r>
-            <a:endParaRPr kumimoji="1" lang="ko-KR" altLang="en-US" dirty="0"/>
+              <a:rPr lang="en-US" altLang="ko-KR" sz="3600" b="0" dirty="0">
+                <a:effectLst/>
+              </a:rPr>
+              <a:t> (Low-Rank Adaptation)</a:t>
+            </a:r>
+            <a:endParaRPr kumimoji="1" lang="ko-KR" altLang="en-US" sz="3600" dirty="0"/>
           </a:p>
         </p:txBody>
       </p:sp>
@@ -6487,10 +6499,10 @@
                     <a:lstStyle/>
                     <a:p>
                       <a:r>
-                        <a:rPr lang="ko-KR" altLang="en-US" sz="1200" b="1"/>
+                        <a:rPr lang="ko-KR" altLang="en-US" sz="1200" b="1" dirty="0"/>
                         <a:t>배치 크기</a:t>
                       </a:r>
-                      <a:endParaRPr lang="ko-KR" altLang="en-US" sz="1200"/>
+                      <a:endParaRPr lang="ko-KR" altLang="en-US" sz="1200" dirty="0"/>
                     </a:p>
                   </a:txBody>
                   <a:tcPr anchor="ctr">
@@ -6609,10 +6621,14 @@
                     <a:lstStyle/>
                     <a:p>
                       <a:r>
-                        <a:rPr lang="ko-KR" altLang="en-US" sz="1200" b="1"/>
-                        <a:t>에포크 수</a:t>
+                        <a:rPr lang="ko-KR" altLang="en-US" sz="1200" b="1" dirty="0" err="1"/>
+                        <a:t>에포크</a:t>
                       </a:r>
-                      <a:endParaRPr lang="ko-KR" altLang="en-US" sz="1200"/>
+                      <a:r>
+                        <a:rPr lang="ko-KR" altLang="en-US" sz="1200" b="1" dirty="0"/>
+                        <a:t> 수</a:t>
+                      </a:r>
+                      <a:endParaRPr lang="ko-KR" altLang="en-US" sz="1200" dirty="0"/>
                     </a:p>
                   </a:txBody>
                   <a:tcPr anchor="ctr">
@@ -6727,10 +6743,10 @@
                     <a:lstStyle/>
                     <a:p>
                       <a:r>
-                        <a:rPr lang="ko-KR" altLang="en-US" sz="1200" b="1"/>
+                        <a:rPr lang="ko-KR" altLang="en-US" sz="1200" b="1" dirty="0"/>
                         <a:t>프롬프트 손실 가중치</a:t>
                       </a:r>
-                      <a:endParaRPr lang="ko-KR" altLang="en-US" sz="1200"/>
+                      <a:endParaRPr lang="ko-KR" altLang="en-US" sz="1200" dirty="0"/>
                     </a:p>
                   </a:txBody>
                   <a:tcPr anchor="ctr">
@@ -7733,6 +7749,98 @@
     <p:extLst>
       <p:ext uri="{BB962C8B-B14F-4D97-AF65-F5344CB8AC3E}">
         <p14:creationId xmlns:p14="http://schemas.microsoft.com/office/powerpoint/2010/main" val="3180736533"/>
+      </p:ext>
+    </p:extLst>
+  </p:cSld>
+  <p:clrMapOvr>
+    <a:masterClrMapping/>
+  </p:clrMapOvr>
+</p:sld>
+</file>
+
+<file path=ppt/slides/slide18.xml><?xml version="1.0" encoding="utf-8"?>
+<p:sld xmlns:a="http://schemas.openxmlformats.org/drawingml/2006/main" xmlns:r="http://schemas.openxmlformats.org/officeDocument/2006/relationships" xmlns:p="http://schemas.openxmlformats.org/presentationml/2006/main">
+  <p:cSld>
+    <p:spTree>
+      <p:nvGrpSpPr>
+        <p:cNvPr id="1" name=""/>
+        <p:cNvGrpSpPr/>
+        <p:nvPr/>
+      </p:nvGrpSpPr>
+      <p:grpSpPr>
+        <a:xfrm>
+          <a:off x="0" y="0"/>
+          <a:ext cx="0" cy="0"/>
+          <a:chOff x="0" y="0"/>
+          <a:chExt cx="0" cy="0"/>
+        </a:xfrm>
+      </p:grpSpPr>
+      <p:sp>
+        <p:nvSpPr>
+          <p:cNvPr id="2" name="제목 1">
+            <a:extLst>
+              <a:ext uri="{FF2B5EF4-FFF2-40B4-BE49-F238E27FC236}">
+                <a16:creationId xmlns:a16="http://schemas.microsoft.com/office/drawing/2014/main" id="{C415F170-AC51-4890-87D6-DA8279AD5B0F}"/>
+              </a:ext>
+            </a:extLst>
+          </p:cNvPr>
+          <p:cNvSpPr>
+            <a:spLocks noGrp="1"/>
+          </p:cNvSpPr>
+          <p:nvPr>
+            <p:ph type="title"/>
+          </p:nvPr>
+        </p:nvSpPr>
+        <p:spPr/>
+        <p:txBody>
+          <a:bodyPr/>
+          <a:lstStyle/>
+          <a:p>
+            <a:r>
+              <a:rPr lang="ko-KR" altLang="en-US" dirty="0"/>
+              <a:t>퀴즈</a:t>
+            </a:r>
+          </a:p>
+        </p:txBody>
+      </p:sp>
+      <p:sp>
+        <p:nvSpPr>
+          <p:cNvPr id="3" name="내용 개체 틀 2">
+            <a:extLst>
+              <a:ext uri="{FF2B5EF4-FFF2-40B4-BE49-F238E27FC236}">
+                <a16:creationId xmlns:a16="http://schemas.microsoft.com/office/drawing/2014/main" id="{1652E202-FAE7-4D21-9788-0BC47BFEA8BC}"/>
+              </a:ext>
+            </a:extLst>
+          </p:cNvPr>
+          <p:cNvSpPr>
+            <a:spLocks noGrp="1"/>
+          </p:cNvSpPr>
+          <p:nvPr>
+            <p:ph idx="1"/>
+          </p:nvPr>
+        </p:nvSpPr>
+        <p:spPr/>
+        <p:txBody>
+          <a:bodyPr anchor="ctr"/>
+          <a:lstStyle/>
+          <a:p>
+            <a:pPr marL="0" indent="0">
+              <a:buNone/>
+            </a:pPr>
+            <a:r>
+              <a:rPr lang="en-US" altLang="ko-KR" dirty="0">
+                <a:hlinkClick r:id="rId2"/>
+              </a:rPr>
+              <a:t>https://claude.site/artifacts/a536fb55-a840-45bd-986d-328f7adf7f95</a:t>
+            </a:r>
+            <a:endParaRPr lang="ko-KR" altLang="en-US" dirty="0"/>
+          </a:p>
+        </p:txBody>
+      </p:sp>
+    </p:spTree>
+    <p:extLst>
+      <p:ext uri="{BB962C8B-B14F-4D97-AF65-F5344CB8AC3E}">
+        <p14:creationId xmlns:p14="http://schemas.microsoft.com/office/powerpoint/2010/main" val="2345105566"/>
       </p:ext>
     </p:extLst>
   </p:cSld>
@@ -10490,8 +10598,8 @@
           </p:sp>
         </mc:Fallback>
       </mc:AlternateContent>
-      <mc:AlternateContent xmlns:mc="http://schemas.openxmlformats.org/markup-compatibility/2006">
-        <mc:Choice xmlns:a14="http://schemas.microsoft.com/office/drawing/2010/main" Requires="a14">
+      <mc:AlternateContent xmlns:mc="http://schemas.openxmlformats.org/markup-compatibility/2006" xmlns:a14="http://schemas.microsoft.com/office/drawing/2010/main">
+        <mc:Choice Requires="a14">
           <p:sp>
             <p:nvSpPr>
               <p:cNvPr id="5" name="내용 개체 틀 4">
@@ -10680,7 +10788,7 @@
             </p:txBody>
           </p:sp>
         </mc:Choice>
-        <mc:Fallback>
+        <mc:Fallback xmlns="">
           <p:sp>
             <p:nvSpPr>
               <p:cNvPr id="5" name="내용 개체 틀 4">
@@ -10916,7 +11024,7 @@
           <p:nvPr>
             <p:extLst>
               <p:ext uri="{D42A27DB-BD31-4B8C-83A1-F6EECF244321}">
-                <p14:modId xmlns:p14="http://schemas.microsoft.com/office/powerpoint/2010/main" val="4277658477"/>
+                <p14:modId xmlns:p14="http://schemas.microsoft.com/office/powerpoint/2010/main" val="2978334849"/>
               </p:ext>
             </p:extLst>
           </p:nvPr>
@@ -11386,7 +11494,7 @@
                     <a:lstStyle/>
                     <a:p>
                       <a:r>
-                        <a:rPr lang="en-US" sz="1100" b="1">
+                        <a:rPr lang="en-US" sz="1100" b="1" dirty="0">
                           <a:ln>
                             <a:solidFill>
                               <a:schemeClr val="accent1"/>
@@ -11398,7 +11506,7 @@
                         </a:rPr>
                         <a:t>FP16</a:t>
                       </a:r>
-                      <a:endParaRPr lang="en-US" sz="1100">
+                      <a:endParaRPr lang="en-US" sz="1100" dirty="0">
                         <a:ln>
                           <a:solidFill>
                             <a:schemeClr val="accent1"/>
